--- a/ProjectSubmissionTemplate-210521-090339 (1).pptx
+++ b/ProjectSubmissionTemplate-210521-090339 (1).pptx
@@ -716,7 +716,7 @@
           <a:p>
             <a:fld id="{1D8BD707-D9CF-40AE-B4C6-C98DA3205C09}" type="datetimeFigureOut">
               <a:rPr lang="en-US"/>
-              <a:t>6/27/2021</a:t>
+              <a:t>6/28/2021</a:t>
             </a:fld>
             <a:endParaRPr lang="en-US"/>
           </a:p>
@@ -893,7 +893,7 @@
           <a:p>
             <a:fld id="{1D8BD707-D9CF-40AE-B4C6-C98DA3205C09}" type="datetimeFigureOut">
               <a:rPr lang="en-US"/>
-              <a:t>6/27/2021</a:t>
+              <a:t>6/28/2021</a:t>
             </a:fld>
             <a:endParaRPr lang="en-US"/>
           </a:p>
@@ -1107,7 +1107,7 @@
           <a:p>
             <a:fld id="{1D8BD707-D9CF-40AE-B4C6-C98DA3205C09}" type="datetimeFigureOut">
               <a:rPr lang="en-US"/>
-              <a:t>6/27/2021</a:t>
+              <a:t>6/28/2021</a:t>
             </a:fld>
             <a:endParaRPr lang="en-US"/>
           </a:p>
@@ -1255,7 +1255,7 @@
           <a:p>
             <a:fld id="{1D8BD707-D9CF-40AE-B4C6-C98DA3205C09}" type="datetimeFigureOut">
               <a:rPr lang="en-US"/>
-              <a:t>6/27/2021</a:t>
+              <a:t>6/28/2021</a:t>
             </a:fld>
             <a:endParaRPr lang="en-US"/>
           </a:p>
@@ -1374,7 +1374,7 @@
           <a:p>
             <a:fld id="{1D8BD707-D9CF-40AE-B4C6-C98DA3205C09}" type="datetimeFigureOut">
               <a:rPr lang="en-US"/>
-              <a:t>6/27/2021</a:t>
+              <a:t>6/28/2021</a:t>
             </a:fld>
             <a:endParaRPr lang="en-US"/>
           </a:p>
@@ -1771,7 +1771,7 @@
           <a:p>
             <a:fld id="{1D8BD707-D9CF-40AE-B4C6-C98DA3205C09}" type="datetimeFigureOut">
               <a:rPr lang="en-US"/>
-              <a:t>6/27/2021</a:t>
+              <a:t>6/28/2021</a:t>
             </a:fld>
             <a:endParaRPr lang="en-US"/>
           </a:p>
@@ -3779,7 +3779,7 @@
         <p:spPr>
           <a:xfrm>
             <a:off x="1349088" y="3576786"/>
-            <a:ext cx="2735154" cy="646331"/>
+            <a:ext cx="2735154" cy="430887"/>
           </a:xfrm>
           <a:prstGeom prst="rect">
             <a:avLst/>
@@ -3811,8 +3811,29 @@
                 </a:solidFill>
                 <a:cs typeface="Segoe UI" panose="020B0502040204020203" pitchFamily="34" charset="0"/>
               </a:rPr>
-              <a:t>An innovative approach to teaching Data in Haiti for Decision-making (online, advanced software..) </a:t>
-            </a:r>
+              <a:t>An innovative approach to teaching Data in Haiti </a:t>
+            </a:r>
+            <a:r>
+              <a:rPr lang="en-US" sz="1400">
+                <a:solidFill>
+                  <a:schemeClr val="tx1">
+                    <a:lumMod val="75000"/>
+                    <a:lumOff val="25000"/>
+                  </a:schemeClr>
+                </a:solidFill>
+                <a:cs typeface="Segoe UI" panose="020B0502040204020203" pitchFamily="34" charset="0"/>
+              </a:rPr>
+              <a:t>for Decision-making </a:t>
+            </a:r>
+            <a:endParaRPr lang="en-US" sz="1400" dirty="0">
+              <a:solidFill>
+                <a:schemeClr val="tx1">
+                  <a:lumMod val="75000"/>
+                  <a:lumOff val="25000"/>
+                </a:schemeClr>
+              </a:solidFill>
+              <a:cs typeface="Segoe UI" panose="020B0502040204020203" pitchFamily="34" charset="0"/>
+            </a:endParaRPr>
           </a:p>
         </p:txBody>
       </p:sp>
@@ -3831,7 +3852,7 @@
         <p:spPr>
           <a:xfrm>
             <a:off x="5619434" y="3576786"/>
-            <a:ext cx="2175478" cy="1015663"/>
+            <a:ext cx="2175478" cy="584775"/>
           </a:xfrm>
           <a:prstGeom prst="rect">
             <a:avLst/>
@@ -3877,18 +3898,15 @@
               <a:buFont typeface="Segoe UI Light" panose="020B0502040204020203" pitchFamily="34" charset="0"/>
               <a:buChar char="›"/>
             </a:pPr>
-            <a:r>
-              <a:rPr lang="en-US" sz="1400" dirty="0">
-                <a:solidFill>
-                  <a:schemeClr val="tx1">
-                    <a:lumMod val="75000"/>
-                    <a:lumOff val="25000"/>
-                  </a:schemeClr>
-                </a:solidFill>
-                <a:cs typeface="Segoe UI" panose="020B0502040204020203" pitchFamily="34" charset="0"/>
-              </a:rPr>
-              <a:t>Lack of resources and working materials (internet connection, computers)</a:t>
-            </a:r>
+            <a:endParaRPr lang="en-US" sz="1400" dirty="0">
+              <a:solidFill>
+                <a:schemeClr val="tx1">
+                  <a:lumMod val="75000"/>
+                  <a:lumOff val="25000"/>
+                </a:schemeClr>
+              </a:solidFill>
+              <a:cs typeface="Segoe UI" panose="020B0502040204020203" pitchFamily="34" charset="0"/>
+            </a:endParaRPr>
           </a:p>
         </p:txBody>
       </p:sp>
